--- a/assets/lectures/cshl/2021/full/RNASeq_Module0_IntrotoRNA.pptx
+++ b/assets/lectures/cshl/2021/full/RNASeq_Module0_IntrotoRNA.pptx
@@ -280,7 +280,7 @@
               <a:pPr>
                 <a:defRPr/>
               </a:pPr>
-              <a:t>11/12/20</a:t>
+              <a:t>11/10/21</a:t>
             </a:fld>
             <a:endParaRPr lang="en-US"/>
           </a:p>
@@ -487,7 +487,7 @@
               <a:pPr>
                 <a:defRPr/>
               </a:pPr>
-              <a:t>11/12/20</a:t>
+              <a:t>11/10/21</a:t>
             </a:fld>
             <a:endParaRPr lang="en-US"/>
           </a:p>
@@ -858,14 +858,14 @@
           </a:ln>
           <a:extLst>
             <a:ext uri="{909E8E84-426E-40dd-AFC4-6F175D3DCCD1}">
-              <a14:hiddenFill xmlns:a14="http://schemas.microsoft.com/office/drawing/2010/main" xmlns="">
+              <a14:hiddenFill xmlns="" xmlns:a14="http://schemas.microsoft.com/office/drawing/2010/main">
                 <a:solidFill>
                   <a:srgbClr val="FFFFFF"/>
                 </a:solidFill>
               </a14:hiddenFill>
             </a:ext>
             <a:ext uri="{FAA26D3D-D897-4be2-8F04-BA451C77F1D7}">
-              <ma14:placeholderFlag xmlns:ma14="http://schemas.microsoft.com/office/mac/drawingml/2011/main" xmlns="" val="1"/>
+              <ma14:placeholderFlag xmlns="" xmlns:ma14="http://schemas.microsoft.com/office/mac/drawingml/2011/main" val="1"/>
             </a:ext>
           </a:extLst>
         </p:spPr>
@@ -884,14 +884,14 @@
           <a:noFill/>
           <a:extLst>
             <a:ext uri="{909E8E84-426E-40dd-AFC4-6F175D3DCCD1}">
-              <a14:hiddenFill xmlns:a14="http://schemas.microsoft.com/office/drawing/2010/main" xmlns="">
+              <a14:hiddenFill xmlns="" xmlns:a14="http://schemas.microsoft.com/office/drawing/2010/main">
                 <a:solidFill>
                   <a:srgbClr val="FFFFFF"/>
                 </a:solidFill>
               </a14:hiddenFill>
             </a:ext>
             <a:ext uri="{91240B29-F687-4f45-9708-019B960494DF}">
-              <a14:hiddenLine xmlns:a14="http://schemas.microsoft.com/office/drawing/2010/main" xmlns="" w="9525">
+              <a14:hiddenLine xmlns="" xmlns:a14="http://schemas.microsoft.com/office/drawing/2010/main" w="9525">
                 <a:solidFill>
                   <a:srgbClr val="000000"/>
                 </a:solidFill>
@@ -901,7 +901,7 @@
               </a14:hiddenLine>
             </a:ext>
             <a:ext uri="{FAA26D3D-D897-4be2-8F04-BA451C77F1D7}">
-              <ma14:placeholderFlag xmlns:ma14="http://schemas.microsoft.com/office/mac/drawingml/2011/main" xmlns="" val="1"/>
+              <ma14:placeholderFlag xmlns="" xmlns:ma14="http://schemas.microsoft.com/office/mac/drawingml/2011/main" val="1"/>
             </a:ext>
           </a:extLst>
         </p:spPr>
@@ -935,14 +935,14 @@
           <a:noFill/>
           <a:extLst>
             <a:ext uri="{909E8E84-426E-40dd-AFC4-6F175D3DCCD1}">
-              <a14:hiddenFill xmlns:a14="http://schemas.microsoft.com/office/drawing/2010/main" xmlns="">
+              <a14:hiddenFill xmlns="" xmlns:a14="http://schemas.microsoft.com/office/drawing/2010/main">
                 <a:solidFill>
                   <a:srgbClr val="FFFFFF"/>
                 </a:solidFill>
               </a14:hiddenFill>
             </a:ext>
             <a:ext uri="{91240B29-F687-4f45-9708-019B960494DF}">
-              <a14:hiddenLine xmlns:a14="http://schemas.microsoft.com/office/drawing/2010/main" xmlns="" w="9525">
+              <a14:hiddenLine xmlns="" xmlns:a14="http://schemas.microsoft.com/office/drawing/2010/main" w="9525">
                 <a:solidFill>
                   <a:srgbClr val="000000"/>
                 </a:solidFill>
@@ -1622,14 +1622,14 @@
           <a:noFill/>
           <a:extLst>
             <a:ext uri="{909E8E84-426E-40dd-AFC4-6F175D3DCCD1}">
-              <a14:hiddenFill xmlns:a14="http://schemas.microsoft.com/office/drawing/2010/main" xmlns="">
+              <a14:hiddenFill xmlns="" xmlns:a14="http://schemas.microsoft.com/office/drawing/2010/main">
                 <a:solidFill>
                   <a:srgbClr val="FFFFFF"/>
                 </a:solidFill>
               </a14:hiddenFill>
             </a:ext>
             <a:ext uri="{91240B29-F687-4f45-9708-019B960494DF}">
-              <a14:hiddenLine xmlns:a14="http://schemas.microsoft.com/office/drawing/2010/main" xmlns="" w="9525">
+              <a14:hiddenLine xmlns="" xmlns:a14="http://schemas.microsoft.com/office/drawing/2010/main" w="9525">
                 <a:solidFill>
                   <a:srgbClr val="000000"/>
                 </a:solidFill>
@@ -1793,7 +1793,7 @@
           </a:ln>
           <a:extLst>
             <a:ext uri="{FAA26D3D-D897-4be2-8F04-BA451C77F1D7}">
-              <ma14:placeholderFlag xmlns:ma14="http://schemas.microsoft.com/office/mac/drawingml/2011/main" xmlns="" val="1"/>
+              <ma14:placeholderFlag xmlns="" xmlns:ma14="http://schemas.microsoft.com/office/mac/drawingml/2011/main" val="1"/>
             </a:ext>
           </a:extLst>
         </p:spPr>
@@ -1822,7 +1822,7 @@
           </a:ln>
           <a:extLst>
             <a:ext uri="{FAA26D3D-D897-4be2-8F04-BA451C77F1D7}">
-              <ma14:placeholderFlag xmlns:ma14="http://schemas.microsoft.com/office/mac/drawingml/2011/main" xmlns="" val="1"/>
+              <ma14:placeholderFlag xmlns="" xmlns:ma14="http://schemas.microsoft.com/office/mac/drawingml/2011/main" val="1"/>
             </a:ext>
           </a:extLst>
         </p:spPr>
@@ -1887,14 +1887,14 @@
           <a:noFill/>
           <a:extLst>
             <a:ext uri="{909E8E84-426E-40dd-AFC4-6F175D3DCCD1}">
-              <a14:hiddenFill xmlns:a14="http://schemas.microsoft.com/office/drawing/2010/main" xmlns="">
+              <a14:hiddenFill xmlns="" xmlns:a14="http://schemas.microsoft.com/office/drawing/2010/main">
                 <a:solidFill>
                   <a:srgbClr val="FFFFFF"/>
                 </a:solidFill>
               </a14:hiddenFill>
             </a:ext>
             <a:ext uri="{91240B29-F687-4f45-9708-019B960494DF}">
-              <a14:hiddenLine xmlns:a14="http://schemas.microsoft.com/office/drawing/2010/main" xmlns="" w="9525">
+              <a14:hiddenLine xmlns="" xmlns:a14="http://schemas.microsoft.com/office/drawing/2010/main" w="9525">
                 <a:solidFill>
                   <a:srgbClr val="000000"/>
                 </a:solidFill>
@@ -2058,7 +2058,7 @@
           </a:ln>
           <a:extLst>
             <a:ext uri="{FAA26D3D-D897-4be2-8F04-BA451C77F1D7}">
-              <ma14:placeholderFlag xmlns:ma14="http://schemas.microsoft.com/office/mac/drawingml/2011/main" xmlns="" val="1"/>
+              <ma14:placeholderFlag xmlns="" xmlns:ma14="http://schemas.microsoft.com/office/mac/drawingml/2011/main" val="1"/>
             </a:ext>
           </a:extLst>
         </p:spPr>
@@ -2087,7 +2087,7 @@
           </a:ln>
           <a:extLst>
             <a:ext uri="{FAA26D3D-D897-4be2-8F04-BA451C77F1D7}">
-              <ma14:placeholderFlag xmlns:ma14="http://schemas.microsoft.com/office/mac/drawingml/2011/main" xmlns="" val="1"/>
+              <ma14:placeholderFlag xmlns="" xmlns:ma14="http://schemas.microsoft.com/office/mac/drawingml/2011/main" val="1"/>
             </a:ext>
           </a:extLst>
         </p:spPr>
@@ -2259,14 +2259,14 @@
           <a:noFill/>
           <a:extLst>
             <a:ext uri="{909E8E84-426E-40dd-AFC4-6F175D3DCCD1}">
-              <a14:hiddenFill xmlns:a14="http://schemas.microsoft.com/office/drawing/2010/main" xmlns="">
+              <a14:hiddenFill xmlns="" xmlns:a14="http://schemas.microsoft.com/office/drawing/2010/main">
                 <a:solidFill>
                   <a:srgbClr val="FFFFFF"/>
                 </a:solidFill>
               </a14:hiddenFill>
             </a:ext>
             <a:ext uri="{91240B29-F687-4f45-9708-019B960494DF}">
-              <a14:hiddenLine xmlns:a14="http://schemas.microsoft.com/office/drawing/2010/main" xmlns="" w="9525">
+              <a14:hiddenLine xmlns="" xmlns:a14="http://schemas.microsoft.com/office/drawing/2010/main" w="9525">
                 <a:solidFill>
                   <a:srgbClr val="000000"/>
                 </a:solidFill>
@@ -2430,7 +2430,7 @@
           </a:ln>
           <a:extLst>
             <a:ext uri="{FAA26D3D-D897-4be2-8F04-BA451C77F1D7}">
-              <ma14:placeholderFlag xmlns:ma14="http://schemas.microsoft.com/office/mac/drawingml/2011/main" xmlns="" val="1"/>
+              <ma14:placeholderFlag xmlns="" xmlns:ma14="http://schemas.microsoft.com/office/mac/drawingml/2011/main" val="1"/>
             </a:ext>
           </a:extLst>
         </p:spPr>
@@ -2459,7 +2459,7 @@
           </a:ln>
           <a:extLst>
             <a:ext uri="{FAA26D3D-D897-4be2-8F04-BA451C77F1D7}">
-              <ma14:placeholderFlag xmlns:ma14="http://schemas.microsoft.com/office/mac/drawingml/2011/main" xmlns="" val="1"/>
+              <ma14:placeholderFlag xmlns="" xmlns:ma14="http://schemas.microsoft.com/office/mac/drawingml/2011/main" val="1"/>
             </a:ext>
           </a:extLst>
         </p:spPr>
@@ -3396,14 +3396,14 @@
           <a:noFill/>
           <a:extLst>
             <a:ext uri="{909E8E84-426E-40dd-AFC4-6F175D3DCCD1}">
-              <a14:hiddenFill xmlns:a14="http://schemas.microsoft.com/office/drawing/2010/main" xmlns="">
+              <a14:hiddenFill xmlns="" xmlns:a14="http://schemas.microsoft.com/office/drawing/2010/main">
                 <a:solidFill>
                   <a:srgbClr val="FFFFFF"/>
                 </a:solidFill>
               </a14:hiddenFill>
             </a:ext>
             <a:ext uri="{91240B29-F687-4f45-9708-019B960494DF}">
-              <a14:hiddenLine xmlns:a14="http://schemas.microsoft.com/office/drawing/2010/main" xmlns="" w="9525">
+              <a14:hiddenLine xmlns="" xmlns:a14="http://schemas.microsoft.com/office/drawing/2010/main" w="9525">
                 <a:solidFill>
                   <a:srgbClr val="000000"/>
                 </a:solidFill>
@@ -3567,7 +3567,7 @@
           </a:ln>
           <a:extLst>
             <a:ext uri="{FAA26D3D-D897-4be2-8F04-BA451C77F1D7}">
-              <ma14:placeholderFlag xmlns:ma14="http://schemas.microsoft.com/office/mac/drawingml/2011/main" xmlns="" val="1"/>
+              <ma14:placeholderFlag xmlns="" xmlns:ma14="http://schemas.microsoft.com/office/mac/drawingml/2011/main" val="1"/>
             </a:ext>
           </a:extLst>
         </p:spPr>
@@ -3596,7 +3596,7 @@
           </a:ln>
           <a:extLst>
             <a:ext uri="{FAA26D3D-D897-4be2-8F04-BA451C77F1D7}">
-              <ma14:placeholderFlag xmlns:ma14="http://schemas.microsoft.com/office/mac/drawingml/2011/main" xmlns="" val="1"/>
+              <ma14:placeholderFlag xmlns="" xmlns:ma14="http://schemas.microsoft.com/office/mac/drawingml/2011/main" val="1"/>
             </a:ext>
           </a:extLst>
         </p:spPr>
@@ -3661,14 +3661,14 @@
           <a:noFill/>
           <a:extLst>
             <a:ext uri="{909E8E84-426E-40dd-AFC4-6F175D3DCCD1}">
-              <a14:hiddenFill xmlns:a14="http://schemas.microsoft.com/office/drawing/2010/main" xmlns="">
+              <a14:hiddenFill xmlns="" xmlns:a14="http://schemas.microsoft.com/office/drawing/2010/main">
                 <a:solidFill>
                   <a:srgbClr val="FFFFFF"/>
                 </a:solidFill>
               </a14:hiddenFill>
             </a:ext>
             <a:ext uri="{91240B29-F687-4f45-9708-019B960494DF}">
-              <a14:hiddenLine xmlns:a14="http://schemas.microsoft.com/office/drawing/2010/main" xmlns="" w="9525">
+              <a14:hiddenLine xmlns="" xmlns:a14="http://schemas.microsoft.com/office/drawing/2010/main" w="9525">
                 <a:solidFill>
                   <a:srgbClr val="000000"/>
                 </a:solidFill>
@@ -3832,7 +3832,7 @@
           </a:ln>
           <a:extLst>
             <a:ext uri="{FAA26D3D-D897-4be2-8F04-BA451C77F1D7}">
-              <ma14:placeholderFlag xmlns:ma14="http://schemas.microsoft.com/office/mac/drawingml/2011/main" xmlns="" val="1"/>
+              <ma14:placeholderFlag xmlns="" xmlns:ma14="http://schemas.microsoft.com/office/mac/drawingml/2011/main" val="1"/>
             </a:ext>
           </a:extLst>
         </p:spPr>
@@ -3861,7 +3861,7 @@
           </a:ln>
           <a:extLst>
             <a:ext uri="{FAA26D3D-D897-4be2-8F04-BA451C77F1D7}">
-              <ma14:placeholderFlag xmlns:ma14="http://schemas.microsoft.com/office/mac/drawingml/2011/main" xmlns="" val="1"/>
+              <ma14:placeholderFlag xmlns="" xmlns:ma14="http://schemas.microsoft.com/office/mac/drawingml/2011/main" val="1"/>
             </a:ext>
           </a:extLst>
         </p:spPr>
@@ -4001,14 +4001,14 @@
           </a:ln>
           <a:extLst>
             <a:ext uri="{909E8E84-426E-40dd-AFC4-6F175D3DCCD1}">
-              <a14:hiddenFill xmlns:a14="http://schemas.microsoft.com/office/drawing/2010/main" xmlns="">
+              <a14:hiddenFill xmlns="" xmlns:a14="http://schemas.microsoft.com/office/drawing/2010/main">
                 <a:solidFill>
                   <a:srgbClr val="FFFFFF"/>
                 </a:solidFill>
               </a14:hiddenFill>
             </a:ext>
             <a:ext uri="{91240B29-F687-4f45-9708-019B960494DF}">
-              <a14:hiddenLine xmlns:a14="http://schemas.microsoft.com/office/drawing/2010/main" xmlns="" w="9525">
+              <a14:hiddenLine xmlns="" xmlns:a14="http://schemas.microsoft.com/office/drawing/2010/main" w="9525">
                 <a:solidFill>
                   <a:srgbClr val="000000"/>
                 </a:solidFill>
@@ -4649,14 +4649,14 @@
           </a:ln>
           <a:extLst>
             <a:ext uri="{909E8E84-426E-40dd-AFC4-6F175D3DCCD1}">
-              <a14:hiddenFill xmlns:a14="http://schemas.microsoft.com/office/drawing/2010/main" xmlns="">
+              <a14:hiddenFill xmlns="" xmlns:a14="http://schemas.microsoft.com/office/drawing/2010/main">
                 <a:solidFill>
                   <a:srgbClr val="FFFFFF"/>
                 </a:solidFill>
               </a14:hiddenFill>
             </a:ext>
             <a:ext uri="{91240B29-F687-4f45-9708-019B960494DF}">
-              <a14:hiddenLine xmlns:a14="http://schemas.microsoft.com/office/drawing/2010/main" xmlns="" w="9525">
+              <a14:hiddenLine xmlns="" xmlns:a14="http://schemas.microsoft.com/office/drawing/2010/main" w="9525">
                 <a:solidFill>
                   <a:srgbClr val="000000"/>
                 </a:solidFill>
@@ -4666,7 +4666,7 @@
               </a14:hiddenLine>
             </a:ext>
             <a:ext uri="{FAA26D3D-D897-4be2-8F04-BA451C77F1D7}">
-              <ma14:placeholderFlag xmlns:ma14="http://schemas.microsoft.com/office/mac/drawingml/2011/main" xmlns="" val="1"/>
+              <ma14:placeholderFlag xmlns="" xmlns:ma14="http://schemas.microsoft.com/office/mac/drawingml/2011/main" val="1"/>
             </a:ext>
           </a:extLst>
         </p:spPr>
@@ -4710,14 +4710,14 @@
           </a:ln>
           <a:extLst>
             <a:ext uri="{909E8E84-426E-40dd-AFC4-6F175D3DCCD1}">
-              <a14:hiddenFill xmlns:a14="http://schemas.microsoft.com/office/drawing/2010/main" xmlns="">
+              <a14:hiddenFill xmlns="" xmlns:a14="http://schemas.microsoft.com/office/drawing/2010/main">
                 <a:solidFill>
                   <a:srgbClr val="FFFFFF"/>
                 </a:solidFill>
               </a14:hiddenFill>
             </a:ext>
             <a:ext uri="{91240B29-F687-4f45-9708-019B960494DF}">
-              <a14:hiddenLine xmlns:a14="http://schemas.microsoft.com/office/drawing/2010/main" xmlns="" w="9525">
+              <a14:hiddenLine xmlns="" xmlns:a14="http://schemas.microsoft.com/office/drawing/2010/main" w="9525">
                 <a:solidFill>
                   <a:srgbClr val="000000"/>
                 </a:solidFill>
@@ -4727,7 +4727,7 @@
               </a14:hiddenLine>
             </a:ext>
             <a:ext uri="{FAA26D3D-D897-4be2-8F04-BA451C77F1D7}">
-              <ma14:placeholderFlag xmlns:ma14="http://schemas.microsoft.com/office/mac/drawingml/2011/main" xmlns="" val="1"/>
+              <ma14:placeholderFlag xmlns="" xmlns:ma14="http://schemas.microsoft.com/office/mac/drawingml/2011/main" val="1"/>
             </a:ext>
           </a:extLst>
         </p:spPr>
@@ -4863,14 +4863,14 @@
           </a:ln>
           <a:extLst>
             <a:ext uri="{909E8E84-426E-40dd-AFC4-6F175D3DCCD1}">
-              <a14:hiddenFill xmlns:a14="http://schemas.microsoft.com/office/drawing/2010/main" xmlns="">
+              <a14:hiddenFill xmlns="" xmlns:a14="http://schemas.microsoft.com/office/drawing/2010/main">
                 <a:solidFill>
                   <a:srgbClr val="FFFFFF"/>
                 </a:solidFill>
               </a14:hiddenFill>
             </a:ext>
             <a:ext uri="{91240B29-F687-4f45-9708-019B960494DF}">
-              <a14:hiddenLine xmlns:a14="http://schemas.microsoft.com/office/drawing/2010/main" xmlns="" w="9525">
+              <a14:hiddenLine xmlns="" xmlns:a14="http://schemas.microsoft.com/office/drawing/2010/main" w="9525">
                 <a:solidFill>
                   <a:srgbClr val="000000"/>
                 </a:solidFill>
@@ -5720,14 +5720,14 @@
           </a:ln>
           <a:extLst>
             <a:ext uri="{909E8E84-426E-40dd-AFC4-6F175D3DCCD1}">
-              <a14:hiddenFill xmlns:a14="http://schemas.microsoft.com/office/drawing/2010/main" xmlns="">
+              <a14:hiddenFill xmlns="" xmlns:a14="http://schemas.microsoft.com/office/drawing/2010/main">
                 <a:solidFill>
                   <a:srgbClr val="FFFFFF"/>
                 </a:solidFill>
               </a14:hiddenFill>
             </a:ext>
             <a:ext uri="{91240B29-F687-4f45-9708-019B960494DF}">
-              <a14:hiddenLine xmlns:a14="http://schemas.microsoft.com/office/drawing/2010/main" xmlns="" w="9525">
+              <a14:hiddenLine xmlns="" xmlns:a14="http://schemas.microsoft.com/office/drawing/2010/main" w="9525">
                 <a:solidFill>
                   <a:srgbClr val="000000"/>
                 </a:solidFill>
@@ -5941,14 +5941,14 @@
           </a:ln>
           <a:extLst>
             <a:ext uri="{909E8E84-426E-40dd-AFC4-6F175D3DCCD1}">
-              <a14:hiddenFill xmlns="" xmlns:a14="http://schemas.microsoft.com/office/drawing/2010/main">
+              <a14:hiddenFill xmlns:a14="http://schemas.microsoft.com/office/drawing/2010/main" xmlns="">
                 <a:solidFill>
                   <a:srgbClr val="FFFFFF"/>
                 </a:solidFill>
               </a14:hiddenFill>
             </a:ext>
             <a:ext uri="{91240B29-F687-4f45-9708-019B960494DF}">
-              <a14:hiddenLine xmlns="" xmlns:a14="http://schemas.microsoft.com/office/drawing/2010/main" w="9525">
+              <a14:hiddenLine xmlns:a14="http://schemas.microsoft.com/office/drawing/2010/main" xmlns="" w="9525">
                 <a:solidFill>
                   <a:srgbClr val="000000"/>
                 </a:solidFill>
@@ -6040,21 +6040,49 @@
                 <a:latin typeface="Calibri"/>
                 <a:cs typeface="Calibri"/>
               </a:rPr>
-              <a:t>John Chamberlin, </a:t>
+              <a:t>Kelsy Cotto, Arpad </a:t>
             </a:r>
             <a:r>
               <a:rPr lang="en-US" sz="1800" dirty="0" err="1">
                 <a:latin typeface="Calibri"/>
                 <a:cs typeface="Calibri"/>
               </a:rPr>
-              <a:t>Kelsy</a:t>
+              <a:t>Danos</a:t>
             </a:r>
             <a:r>
               <a:rPr lang="en-US" sz="1800" dirty="0">
                 <a:latin typeface="Calibri"/>
                 <a:cs typeface="Calibri"/>
               </a:rPr>
-              <a:t> Cotto, Felicia Gomez, Obi Griffith, Malachi Griffith, </a:t>
+              <a:t>, Harriet </a:t>
+            </a:r>
+            <a:r>
+              <a:rPr lang="en-US" sz="1800" dirty="0" err="1">
+                <a:latin typeface="Calibri"/>
+                <a:cs typeface="Calibri"/>
+              </a:rPr>
+              <a:t>Dashnow</a:t>
+            </a:r>
+            <a:r>
+              <a:rPr lang="en-US" sz="1800" dirty="0">
+                <a:latin typeface="Calibri"/>
+                <a:cs typeface="Calibri"/>
+              </a:rPr>
+              <a:t>, Felicia Gomez, Sharon </a:t>
+            </a:r>
+            <a:r>
+              <a:rPr lang="en-US" sz="1800" dirty="0" err="1">
+                <a:latin typeface="Calibri"/>
+                <a:cs typeface="Calibri"/>
+              </a:rPr>
+              <a:t>Freshour</a:t>
+            </a:r>
+            <a:r>
+              <a:rPr lang="en-US" sz="1800" dirty="0">
+                <a:latin typeface="Calibri"/>
+                <a:cs typeface="Calibri"/>
+              </a:rPr>
+              <a:t>, Obi Griffith, </a:t>
             </a:r>
           </a:p>
           <a:p>
@@ -6066,21 +6094,35 @@
                 <a:latin typeface="Calibri"/>
                 <a:cs typeface="Calibri"/>
               </a:rPr>
-              <a:t>Simone Longo, Allegra Petti, Aaron Quinlan, Megan </a:t>
+              <a:t>Malachi Griffith, Jason </a:t>
             </a:r>
             <a:r>
               <a:rPr lang="en-US" sz="1800" dirty="0" err="1">
                 <a:latin typeface="Calibri"/>
                 <a:cs typeface="Calibri"/>
               </a:rPr>
-              <a:t>Richters</a:t>
+              <a:t>Kunisaki</a:t>
             </a:r>
             <a:r>
               <a:rPr lang="en-US" sz="1800" dirty="0">
                 <a:latin typeface="Calibri"/>
                 <a:cs typeface="Calibri"/>
               </a:rPr>
-              <a:t>, Huiming Xia</a:t>
+              <a:t>, Chris Miller, Jonathan </a:t>
+            </a:r>
+            <a:r>
+              <a:rPr lang="en-US" sz="1800" dirty="0" err="1">
+                <a:latin typeface="Calibri"/>
+                <a:cs typeface="Calibri"/>
+              </a:rPr>
+              <a:t>Preall</a:t>
+            </a:r>
+            <a:r>
+              <a:rPr lang="en-US" sz="1800" dirty="0">
+                <a:latin typeface="Calibri"/>
+                <a:cs typeface="Calibri"/>
+              </a:rPr>
+              <a:t>, Aaron Quinlan</a:t>
             </a:r>
           </a:p>
           <a:p>
@@ -6088,7 +6130,7 @@
               <a:defRPr/>
             </a:pPr>
             <a:r>
-              <a:rPr lang="en-US" sz="1800" dirty="0">
+              <a:rPr lang="en-US" sz="1800">
                 <a:ln w="1270">
                   <a:solidFill>
                     <a:schemeClr val="tx1">
@@ -6102,7 +6144,7 @@
               <a:t>Advanced Sequencing Technologies &amp; Bioinformatics Analysis </a:t>
             </a:r>
             <a:r>
-              <a:rPr lang="en-US" sz="1600" dirty="0">
+              <a:rPr lang="en-US" sz="1600">
                 <a:ln w="1270">
                   <a:solidFill>
                     <a:schemeClr val="tx1">
@@ -6113,7 +6155,7 @@
                 <a:latin typeface="Calibri"/>
                 <a:cs typeface="Calibri"/>
               </a:rPr>
-              <a:t>November 16-20, 2020</a:t>
+              <a:t>November 11-19, 2021</a:t>
             </a:r>
           </a:p>
         </p:txBody>
@@ -6677,14 +6719,14 @@
           </a:ln>
           <a:extLst>
             <a:ext uri="{909E8E84-426E-40dd-AFC4-6F175D3DCCD1}">
-              <a14:hiddenFill xmlns:a14="http://schemas.microsoft.com/office/drawing/2010/main" xmlns="">
+              <a14:hiddenFill xmlns="" xmlns:a14="http://schemas.microsoft.com/office/drawing/2010/main">
                 <a:solidFill>
                   <a:srgbClr val="FFFFFF"/>
                 </a:solidFill>
               </a14:hiddenFill>
             </a:ext>
             <a:ext uri="{91240B29-F687-4f45-9708-019B960494DF}">
-              <a14:hiddenLine xmlns:a14="http://schemas.microsoft.com/office/drawing/2010/main" xmlns="" w="9525">
+              <a14:hiddenLine xmlns="" xmlns:a14="http://schemas.microsoft.com/office/drawing/2010/main" w="9525">
                 <a:solidFill>
                   <a:srgbClr val="000000"/>
                 </a:solidFill>
@@ -7603,14 +7645,14 @@
           </a:ln>
           <a:extLst>
             <a:ext uri="{909E8E84-426E-40dd-AFC4-6F175D3DCCD1}">
-              <a14:hiddenFill xmlns:a14="http://schemas.microsoft.com/office/drawing/2010/main" xmlns="">
+              <a14:hiddenFill xmlns="" xmlns:a14="http://schemas.microsoft.com/office/drawing/2010/main">
                 <a:solidFill>
                   <a:srgbClr val="FFFFFF"/>
                 </a:solidFill>
               </a14:hiddenFill>
             </a:ext>
             <a:ext uri="{91240B29-F687-4f45-9708-019B960494DF}">
-              <a14:hiddenLine xmlns:a14="http://schemas.microsoft.com/office/drawing/2010/main" xmlns="" w="9525">
+              <a14:hiddenLine xmlns="" xmlns:a14="http://schemas.microsoft.com/office/drawing/2010/main" w="9525">
                 <a:solidFill>
                   <a:srgbClr val="000000"/>
                 </a:solidFill>
@@ -8845,14 +8887,14 @@
           </a:ln>
           <a:extLst>
             <a:ext uri="{909E8E84-426E-40dd-AFC4-6F175D3DCCD1}">
-              <a14:hiddenFill xmlns:a14="http://schemas.microsoft.com/office/drawing/2010/main" xmlns="">
+              <a14:hiddenFill xmlns="" xmlns:a14="http://schemas.microsoft.com/office/drawing/2010/main">
                 <a:solidFill>
                   <a:srgbClr val="FFFFFF"/>
                 </a:solidFill>
               </a14:hiddenFill>
             </a:ext>
             <a:ext uri="{91240B29-F687-4f45-9708-019B960494DF}">
-              <a14:hiddenLine xmlns:a14="http://schemas.microsoft.com/office/drawing/2010/main" xmlns="" w="9525">
+              <a14:hiddenLine xmlns="" xmlns:a14="http://schemas.microsoft.com/office/drawing/2010/main" w="9525">
                 <a:solidFill>
                   <a:srgbClr val="000000"/>
                 </a:solidFill>
@@ -8899,14 +8941,14 @@
           </a:ln>
           <a:extLst>
             <a:ext uri="{909E8E84-426E-40dd-AFC4-6F175D3DCCD1}">
-              <a14:hiddenFill xmlns:a14="http://schemas.microsoft.com/office/drawing/2010/main" xmlns="">
+              <a14:hiddenFill xmlns="" xmlns:a14="http://schemas.microsoft.com/office/drawing/2010/main">
                 <a:solidFill>
                   <a:srgbClr val="FFFFFF"/>
                 </a:solidFill>
               </a14:hiddenFill>
             </a:ext>
             <a:ext uri="{91240B29-F687-4f45-9708-019B960494DF}">
-              <a14:hiddenLine xmlns:a14="http://schemas.microsoft.com/office/drawing/2010/main" xmlns="" w="9525">
+              <a14:hiddenLine xmlns="" xmlns:a14="http://schemas.microsoft.com/office/drawing/2010/main" w="9525">
                 <a:solidFill>
                   <a:srgbClr val="000000"/>
                 </a:solidFill>
@@ -8940,14 +8982,14 @@
           </a:ln>
           <a:extLst>
             <a:ext uri="{909E8E84-426E-40dd-AFC4-6F175D3DCCD1}">
-              <a14:hiddenFill xmlns:a14="http://schemas.microsoft.com/office/drawing/2010/main" xmlns="">
+              <a14:hiddenFill xmlns="" xmlns:a14="http://schemas.microsoft.com/office/drawing/2010/main">
                 <a:solidFill>
                   <a:srgbClr val="FFFFFF"/>
                 </a:solidFill>
               </a14:hiddenFill>
             </a:ext>
             <a:ext uri="{91240B29-F687-4f45-9708-019B960494DF}">
-              <a14:hiddenLine xmlns:a14="http://schemas.microsoft.com/office/drawing/2010/main" xmlns="" w="9525">
+              <a14:hiddenLine xmlns="" xmlns:a14="http://schemas.microsoft.com/office/drawing/2010/main" w="9525">
                 <a:solidFill>
                   <a:srgbClr val="000000"/>
                 </a:solidFill>
@@ -9101,14 +9143,14 @@
           </a:ln>
           <a:extLst>
             <a:ext uri="{909E8E84-426E-40dd-AFC4-6F175D3DCCD1}">
-              <a14:hiddenFill xmlns:a14="http://schemas.microsoft.com/office/drawing/2010/main" xmlns="">
+              <a14:hiddenFill xmlns="" xmlns:a14="http://schemas.microsoft.com/office/drawing/2010/main">
                 <a:solidFill>
                   <a:srgbClr val="FFFFFF"/>
                 </a:solidFill>
               </a14:hiddenFill>
             </a:ext>
             <a:ext uri="{91240B29-F687-4f45-9708-019B960494DF}">
-              <a14:hiddenLine xmlns:a14="http://schemas.microsoft.com/office/drawing/2010/main" xmlns="" w="9525">
+              <a14:hiddenLine xmlns="" xmlns:a14="http://schemas.microsoft.com/office/drawing/2010/main" w="9525">
                 <a:solidFill>
                   <a:srgbClr val="000000"/>
                 </a:solidFill>
